--- a/make_presentation/templates/templates/minima/1.pptx
+++ b/make_presentation/templates/templates/minima/1.pptx
@@ -7,7 +7,7 @@
   <p:sldIdLst>
     <p:sldId id="256" r:id="rId3"/>
   </p:sldIdLst>
-  <p:sldSz cx="12192000" cy="6858000"/>
+  <p:sldSz cx="9144000" cy="5148263"/>
   <p:notesSz cx="7559675" cy="10691813"/>
 </p:presentation>
 </file>
@@ -36,7 +36,7 @@
             <a:spLocks noGrp="1"/>
           </p:cNvSpPr>
           <p:nvPr>
-            <p:ph type="ftr" idx="2"/>
+            <p:ph type="ftr" idx="1"/>
           </p:nvPr>
         </p:nvSpPr>
         <p:spPr/>
@@ -56,14 +56,14 @@
             <a:spLocks noGrp="1"/>
           </p:cNvSpPr>
           <p:nvPr>
-            <p:ph type="sldNum" idx="3"/>
+            <p:ph type="sldNum" idx="2"/>
           </p:nvPr>
         </p:nvSpPr>
         <p:spPr/>
         <p:txBody>
           <a:bodyPr/>
           <a:p>
-            <a:fld id="{D97F0992-10C7-4164-8821-BB36BD880FF2}" type="slidenum">
+            <a:fld id="{572F8281-36D7-4BAC-B6CC-4CFCBE227BFB}" type="slidenum">
               <a:t>&lt;#&gt;</a:t>
             </a:fld>
           </a:p>
@@ -76,7 +76,7 @@
             <a:spLocks noGrp="1"/>
           </p:cNvSpPr>
           <p:nvPr>
-            <p:ph type="dt" idx="1"/>
+            <p:ph type="dt" idx="3"/>
           </p:nvPr>
         </p:nvSpPr>
         <p:spPr/>
@@ -124,8 +124,8 @@
         </p:nvSpPr>
         <p:spPr>
           <a:xfrm>
-            <a:off x="609480" y="273600"/>
-            <a:ext cx="10972440" cy="1144800"/>
+            <a:off x="457200" y="205200"/>
+            <a:ext cx="8229240" cy="859320"/>
           </a:xfrm>
           <a:prstGeom prst="rect">
             <a:avLst/>
@@ -144,7 +144,7 @@
               <a:solidFill>
                 <a:srgbClr val="000000"/>
               </a:solidFill>
-              <a:latin typeface="Calibri"/>
+              <a:latin typeface="Arial"/>
             </a:endParaRPr>
           </a:p>
         </p:txBody>
@@ -161,8 +161,8 @@
         </p:nvSpPr>
         <p:spPr>
           <a:xfrm>
-            <a:off x="609480" y="1604520"/>
-            <a:ext cx="10972440" cy="1896840"/>
+            <a:off x="457200" y="1204560"/>
+            <a:ext cx="8229240" cy="1423800"/>
           </a:xfrm>
           <a:prstGeom prst="rect">
             <a:avLst/>
@@ -190,7 +190,7 @@
               <a:solidFill>
                 <a:srgbClr val="000000"/>
               </a:solidFill>
-              <a:latin typeface="Calibri"/>
+              <a:latin typeface="Arial"/>
             </a:endParaRPr>
           </a:p>
         </p:txBody>
@@ -207,8 +207,8 @@
         </p:nvSpPr>
         <p:spPr>
           <a:xfrm>
-            <a:off x="609480" y="3682080"/>
-            <a:ext cx="10972440" cy="1896840"/>
+            <a:off x="457200" y="2764080"/>
+            <a:ext cx="8229240" cy="1423800"/>
           </a:xfrm>
           <a:prstGeom prst="rect">
             <a:avLst/>
@@ -236,7 +236,7 @@
               <a:solidFill>
                 <a:srgbClr val="000000"/>
               </a:solidFill>
-              <a:latin typeface="Calibri"/>
+              <a:latin typeface="Arial"/>
             </a:endParaRPr>
           </a:p>
         </p:txBody>
@@ -248,7 +248,7 @@
             <a:spLocks noGrp="1"/>
           </p:cNvSpPr>
           <p:nvPr>
-            <p:ph type="ftr" idx="2"/>
+            <p:ph type="ftr" idx="1"/>
           </p:nvPr>
         </p:nvSpPr>
         <p:spPr/>
@@ -268,14 +268,14 @@
             <a:spLocks noGrp="1"/>
           </p:cNvSpPr>
           <p:nvPr>
-            <p:ph type="sldNum" idx="3"/>
+            <p:ph type="sldNum" idx="2"/>
           </p:nvPr>
         </p:nvSpPr>
         <p:spPr/>
         <p:txBody>
           <a:bodyPr/>
           <a:p>
-            <a:fld id="{DC681618-8839-42EF-98E2-AFFCCEF1AFDE}" type="slidenum">
+            <a:fld id="{05A56B61-F912-4C10-9C38-2156E8A438F5}" type="slidenum">
               <a:t>&lt;#&gt;</a:t>
             </a:fld>
           </a:p>
@@ -288,7 +288,7 @@
             <a:spLocks noGrp="1"/>
           </p:cNvSpPr>
           <p:nvPr>
-            <p:ph type="dt" idx="1"/>
+            <p:ph type="dt" idx="3"/>
           </p:nvPr>
         </p:nvSpPr>
         <p:spPr/>
@@ -336,8 +336,8 @@
         </p:nvSpPr>
         <p:spPr>
           <a:xfrm>
-            <a:off x="609480" y="273600"/>
-            <a:ext cx="10972440" cy="1144800"/>
+            <a:off x="457200" y="205200"/>
+            <a:ext cx="8229240" cy="859320"/>
           </a:xfrm>
           <a:prstGeom prst="rect">
             <a:avLst/>
@@ -356,7 +356,7 @@
               <a:solidFill>
                 <a:srgbClr val="000000"/>
               </a:solidFill>
-              <a:latin typeface="Calibri"/>
+              <a:latin typeface="Arial"/>
             </a:endParaRPr>
           </a:p>
         </p:txBody>
@@ -373,8 +373,8 @@
         </p:nvSpPr>
         <p:spPr>
           <a:xfrm>
-            <a:off x="609480" y="1604520"/>
-            <a:ext cx="5354280" cy="1896840"/>
+            <a:off x="457200" y="1204560"/>
+            <a:ext cx="4015800" cy="1423800"/>
           </a:xfrm>
           <a:prstGeom prst="rect">
             <a:avLst/>
@@ -402,7 +402,7 @@
               <a:solidFill>
                 <a:srgbClr val="000000"/>
               </a:solidFill>
-              <a:latin typeface="Calibri"/>
+              <a:latin typeface="Arial"/>
             </a:endParaRPr>
           </a:p>
         </p:txBody>
@@ -419,8 +419,8 @@
         </p:nvSpPr>
         <p:spPr>
           <a:xfrm>
-            <a:off x="6231960" y="1604520"/>
-            <a:ext cx="5354280" cy="1896840"/>
+            <a:off x="4674240" y="1204560"/>
+            <a:ext cx="4015800" cy="1423800"/>
           </a:xfrm>
           <a:prstGeom prst="rect">
             <a:avLst/>
@@ -448,7 +448,7 @@
               <a:solidFill>
                 <a:srgbClr val="000000"/>
               </a:solidFill>
-              <a:latin typeface="Calibri"/>
+              <a:latin typeface="Arial"/>
             </a:endParaRPr>
           </a:p>
         </p:txBody>
@@ -465,8 +465,8 @@
         </p:nvSpPr>
         <p:spPr>
           <a:xfrm>
-            <a:off x="609480" y="3682080"/>
-            <a:ext cx="5354280" cy="1896840"/>
+            <a:off x="457200" y="2764080"/>
+            <a:ext cx="4015800" cy="1423800"/>
           </a:xfrm>
           <a:prstGeom prst="rect">
             <a:avLst/>
@@ -494,7 +494,7 @@
               <a:solidFill>
                 <a:srgbClr val="000000"/>
               </a:solidFill>
-              <a:latin typeface="Calibri"/>
+              <a:latin typeface="Arial"/>
             </a:endParaRPr>
           </a:p>
         </p:txBody>
@@ -511,8 +511,8 @@
         </p:nvSpPr>
         <p:spPr>
           <a:xfrm>
-            <a:off x="6231960" y="3682080"/>
-            <a:ext cx="5354280" cy="1896840"/>
+            <a:off x="4674240" y="2764080"/>
+            <a:ext cx="4015800" cy="1423800"/>
           </a:xfrm>
           <a:prstGeom prst="rect">
             <a:avLst/>
@@ -540,7 +540,7 @@
               <a:solidFill>
                 <a:srgbClr val="000000"/>
               </a:solidFill>
-              <a:latin typeface="Calibri"/>
+              <a:latin typeface="Arial"/>
             </a:endParaRPr>
           </a:p>
         </p:txBody>
@@ -552,7 +552,7 @@
             <a:spLocks noGrp="1"/>
           </p:cNvSpPr>
           <p:nvPr>
-            <p:ph type="ftr" idx="2"/>
+            <p:ph type="ftr" idx="1"/>
           </p:nvPr>
         </p:nvSpPr>
         <p:spPr/>
@@ -572,14 +572,14 @@
             <a:spLocks noGrp="1"/>
           </p:cNvSpPr>
           <p:nvPr>
-            <p:ph type="sldNum" idx="3"/>
+            <p:ph type="sldNum" idx="2"/>
           </p:nvPr>
         </p:nvSpPr>
         <p:spPr/>
         <p:txBody>
           <a:bodyPr/>
           <a:p>
-            <a:fld id="{C8C83C86-C3CA-4DE6-BA8D-328901814B42}" type="slidenum">
+            <a:fld id="{92E183FB-9AC2-4515-82B5-B80A82954C93}" type="slidenum">
               <a:t>&lt;#&gt;</a:t>
             </a:fld>
           </a:p>
@@ -592,7 +592,7 @@
             <a:spLocks noGrp="1"/>
           </p:cNvSpPr>
           <p:nvPr>
-            <p:ph type="dt" idx="1"/>
+            <p:ph type="dt" idx="3"/>
           </p:nvPr>
         </p:nvSpPr>
         <p:spPr/>
@@ -640,8 +640,8 @@
         </p:nvSpPr>
         <p:spPr>
           <a:xfrm>
-            <a:off x="609480" y="273600"/>
-            <a:ext cx="10972440" cy="1144800"/>
+            <a:off x="457200" y="205200"/>
+            <a:ext cx="8229240" cy="859320"/>
           </a:xfrm>
           <a:prstGeom prst="rect">
             <a:avLst/>
@@ -660,7 +660,7 @@
               <a:solidFill>
                 <a:srgbClr val="000000"/>
               </a:solidFill>
-              <a:latin typeface="Calibri"/>
+              <a:latin typeface="Arial"/>
             </a:endParaRPr>
           </a:p>
         </p:txBody>
@@ -677,8 +677,8 @@
         </p:nvSpPr>
         <p:spPr>
           <a:xfrm>
-            <a:off x="609480" y="1604520"/>
-            <a:ext cx="3533040" cy="1896840"/>
+            <a:off x="457200" y="1204560"/>
+            <a:ext cx="2649600" cy="1423800"/>
           </a:xfrm>
           <a:prstGeom prst="rect">
             <a:avLst/>
@@ -706,7 +706,7 @@
               <a:solidFill>
                 <a:srgbClr val="000000"/>
               </a:solidFill>
-              <a:latin typeface="Calibri"/>
+              <a:latin typeface="Arial"/>
             </a:endParaRPr>
           </a:p>
         </p:txBody>
@@ -723,8 +723,8 @@
         </p:nvSpPr>
         <p:spPr>
           <a:xfrm>
-            <a:off x="4319640" y="1604520"/>
-            <a:ext cx="3533040" cy="1896840"/>
+            <a:off x="3239640" y="1204560"/>
+            <a:ext cx="2649600" cy="1423800"/>
           </a:xfrm>
           <a:prstGeom prst="rect">
             <a:avLst/>
@@ -752,7 +752,7 @@
               <a:solidFill>
                 <a:srgbClr val="000000"/>
               </a:solidFill>
-              <a:latin typeface="Calibri"/>
+              <a:latin typeface="Arial"/>
             </a:endParaRPr>
           </a:p>
         </p:txBody>
@@ -769,8 +769,8 @@
         </p:nvSpPr>
         <p:spPr>
           <a:xfrm>
-            <a:off x="8029800" y="1604520"/>
-            <a:ext cx="3533040" cy="1896840"/>
+            <a:off x="6022080" y="1204560"/>
+            <a:ext cx="2649600" cy="1423800"/>
           </a:xfrm>
           <a:prstGeom prst="rect">
             <a:avLst/>
@@ -798,7 +798,7 @@
               <a:solidFill>
                 <a:srgbClr val="000000"/>
               </a:solidFill>
-              <a:latin typeface="Calibri"/>
+              <a:latin typeface="Arial"/>
             </a:endParaRPr>
           </a:p>
         </p:txBody>
@@ -815,8 +815,8 @@
         </p:nvSpPr>
         <p:spPr>
           <a:xfrm>
-            <a:off x="609480" y="3682080"/>
-            <a:ext cx="3533040" cy="1896840"/>
+            <a:off x="457200" y="2764080"/>
+            <a:ext cx="2649600" cy="1423800"/>
           </a:xfrm>
           <a:prstGeom prst="rect">
             <a:avLst/>
@@ -844,7 +844,7 @@
               <a:solidFill>
                 <a:srgbClr val="000000"/>
               </a:solidFill>
-              <a:latin typeface="Calibri"/>
+              <a:latin typeface="Arial"/>
             </a:endParaRPr>
           </a:p>
         </p:txBody>
@@ -861,8 +861,8 @@
         </p:nvSpPr>
         <p:spPr>
           <a:xfrm>
-            <a:off x="4319640" y="3682080"/>
-            <a:ext cx="3533040" cy="1896840"/>
+            <a:off x="3239640" y="2764080"/>
+            <a:ext cx="2649600" cy="1423800"/>
           </a:xfrm>
           <a:prstGeom prst="rect">
             <a:avLst/>
@@ -890,7 +890,7 @@
               <a:solidFill>
                 <a:srgbClr val="000000"/>
               </a:solidFill>
-              <a:latin typeface="Calibri"/>
+              <a:latin typeface="Arial"/>
             </a:endParaRPr>
           </a:p>
         </p:txBody>
@@ -907,8 +907,8 @@
         </p:nvSpPr>
         <p:spPr>
           <a:xfrm>
-            <a:off x="8029800" y="3682080"/>
-            <a:ext cx="3533040" cy="1896840"/>
+            <a:off x="6022080" y="2764080"/>
+            <a:ext cx="2649600" cy="1423800"/>
           </a:xfrm>
           <a:prstGeom prst="rect">
             <a:avLst/>
@@ -936,7 +936,7 @@
               <a:solidFill>
                 <a:srgbClr val="000000"/>
               </a:solidFill>
-              <a:latin typeface="Calibri"/>
+              <a:latin typeface="Arial"/>
             </a:endParaRPr>
           </a:p>
         </p:txBody>
@@ -948,7 +948,7 @@
             <a:spLocks noGrp="1"/>
           </p:cNvSpPr>
           <p:nvPr>
-            <p:ph type="ftr" idx="2"/>
+            <p:ph type="ftr" idx="1"/>
           </p:nvPr>
         </p:nvSpPr>
         <p:spPr/>
@@ -968,14 +968,14 @@
             <a:spLocks noGrp="1"/>
           </p:cNvSpPr>
           <p:nvPr>
-            <p:ph type="sldNum" idx="3"/>
+            <p:ph type="sldNum" idx="2"/>
           </p:nvPr>
         </p:nvSpPr>
         <p:spPr/>
         <p:txBody>
           <a:bodyPr/>
           <a:p>
-            <a:fld id="{797F3F20-2F85-43E2-A3EC-A05B7139FCF3}" type="slidenum">
+            <a:fld id="{CBFDAAF6-4EF5-4ED0-8A30-54ACCBFF228B}" type="slidenum">
               <a:t>&lt;#&gt;</a:t>
             </a:fld>
           </a:p>
@@ -988,7 +988,7 @@
             <a:spLocks noGrp="1"/>
           </p:cNvSpPr>
           <p:nvPr>
-            <p:ph type="dt" idx="1"/>
+            <p:ph type="dt" idx="3"/>
           </p:nvPr>
         </p:nvSpPr>
         <p:spPr/>
@@ -1036,8 +1036,8 @@
         </p:nvSpPr>
         <p:spPr>
           <a:xfrm>
-            <a:off x="609480" y="273600"/>
-            <a:ext cx="10972440" cy="1144800"/>
+            <a:off x="457200" y="205200"/>
+            <a:ext cx="8229240" cy="859320"/>
           </a:xfrm>
           <a:prstGeom prst="rect">
             <a:avLst/>
@@ -1056,7 +1056,7 @@
               <a:solidFill>
                 <a:srgbClr val="000000"/>
               </a:solidFill>
-              <a:latin typeface="Calibri"/>
+              <a:latin typeface="Arial"/>
             </a:endParaRPr>
           </a:p>
         </p:txBody>
@@ -1073,8 +1073,8 @@
         </p:nvSpPr>
         <p:spPr>
           <a:xfrm>
-            <a:off x="609480" y="1604520"/>
-            <a:ext cx="10972440" cy="3977280"/>
+            <a:off x="457200" y="1204560"/>
+            <a:ext cx="8229240" cy="2985480"/>
           </a:xfrm>
           <a:prstGeom prst="rect">
             <a:avLst/>
@@ -1105,7 +1105,7 @@
             <a:spLocks noGrp="1"/>
           </p:cNvSpPr>
           <p:nvPr>
-            <p:ph type="ftr" idx="2"/>
+            <p:ph type="ftr" idx="1"/>
           </p:nvPr>
         </p:nvSpPr>
         <p:spPr/>
@@ -1125,14 +1125,14 @@
             <a:spLocks noGrp="1"/>
           </p:cNvSpPr>
           <p:nvPr>
-            <p:ph type="sldNum" idx="3"/>
+            <p:ph type="sldNum" idx="2"/>
           </p:nvPr>
         </p:nvSpPr>
         <p:spPr/>
         <p:txBody>
           <a:bodyPr/>
           <a:p>
-            <a:fld id="{4C4FD67C-DD55-4B94-930E-C67F3020FF49}" type="slidenum">
+            <a:fld id="{FCD31512-44D3-4776-B510-233B0BBAAD96}" type="slidenum">
               <a:t>&lt;#&gt;</a:t>
             </a:fld>
           </a:p>
@@ -1145,7 +1145,7 @@
             <a:spLocks noGrp="1"/>
           </p:cNvSpPr>
           <p:nvPr>
-            <p:ph type="dt" idx="1"/>
+            <p:ph type="dt" idx="3"/>
           </p:nvPr>
         </p:nvSpPr>
         <p:spPr/>
@@ -1193,8 +1193,8 @@
         </p:nvSpPr>
         <p:spPr>
           <a:xfrm>
-            <a:off x="609480" y="273600"/>
-            <a:ext cx="10972440" cy="1144800"/>
+            <a:off x="457200" y="205200"/>
+            <a:ext cx="8229240" cy="859320"/>
           </a:xfrm>
           <a:prstGeom prst="rect">
             <a:avLst/>
@@ -1213,7 +1213,7 @@
               <a:solidFill>
                 <a:srgbClr val="000000"/>
               </a:solidFill>
-              <a:latin typeface="Calibri"/>
+              <a:latin typeface="Arial"/>
             </a:endParaRPr>
           </a:p>
         </p:txBody>
@@ -1230,8 +1230,8 @@
         </p:nvSpPr>
         <p:spPr>
           <a:xfrm>
-            <a:off x="609480" y="1604520"/>
-            <a:ext cx="10972440" cy="3977280"/>
+            <a:off x="457200" y="1204560"/>
+            <a:ext cx="8229240" cy="2985480"/>
           </a:xfrm>
           <a:prstGeom prst="rect">
             <a:avLst/>
@@ -1259,7 +1259,7 @@
               <a:solidFill>
                 <a:srgbClr val="000000"/>
               </a:solidFill>
-              <a:latin typeface="Calibri"/>
+              <a:latin typeface="Arial"/>
             </a:endParaRPr>
           </a:p>
         </p:txBody>
@@ -1271,7 +1271,7 @@
             <a:spLocks noGrp="1"/>
           </p:cNvSpPr>
           <p:nvPr>
-            <p:ph type="ftr" idx="2"/>
+            <p:ph type="ftr" idx="1"/>
           </p:nvPr>
         </p:nvSpPr>
         <p:spPr/>
@@ -1291,14 +1291,14 @@
             <a:spLocks noGrp="1"/>
           </p:cNvSpPr>
           <p:nvPr>
-            <p:ph type="sldNum" idx="3"/>
+            <p:ph type="sldNum" idx="2"/>
           </p:nvPr>
         </p:nvSpPr>
         <p:spPr/>
         <p:txBody>
           <a:bodyPr/>
           <a:p>
-            <a:fld id="{70E36353-75F7-4206-9D57-5FCEA63A4FC0}" type="slidenum">
+            <a:fld id="{EBD980BA-47BC-47E6-9806-E4A7AD3BB014}" type="slidenum">
               <a:t>&lt;#&gt;</a:t>
             </a:fld>
           </a:p>
@@ -1311,7 +1311,7 @@
             <a:spLocks noGrp="1"/>
           </p:cNvSpPr>
           <p:nvPr>
-            <p:ph type="dt" idx="1"/>
+            <p:ph type="dt" idx="3"/>
           </p:nvPr>
         </p:nvSpPr>
         <p:spPr/>
@@ -1359,8 +1359,8 @@
         </p:nvSpPr>
         <p:spPr>
           <a:xfrm>
-            <a:off x="609480" y="273600"/>
-            <a:ext cx="10972440" cy="1144800"/>
+            <a:off x="457200" y="205200"/>
+            <a:ext cx="8229240" cy="859320"/>
           </a:xfrm>
           <a:prstGeom prst="rect">
             <a:avLst/>
@@ -1379,7 +1379,7 @@
               <a:solidFill>
                 <a:srgbClr val="000000"/>
               </a:solidFill>
-              <a:latin typeface="Calibri"/>
+              <a:latin typeface="Arial"/>
             </a:endParaRPr>
           </a:p>
         </p:txBody>
@@ -1396,8 +1396,8 @@
         </p:nvSpPr>
         <p:spPr>
           <a:xfrm>
-            <a:off x="609480" y="1604520"/>
-            <a:ext cx="5354280" cy="3977280"/>
+            <a:off x="457200" y="1204560"/>
+            <a:ext cx="4015800" cy="2985480"/>
           </a:xfrm>
           <a:prstGeom prst="rect">
             <a:avLst/>
@@ -1425,7 +1425,7 @@
               <a:solidFill>
                 <a:srgbClr val="000000"/>
               </a:solidFill>
-              <a:latin typeface="Calibri"/>
+              <a:latin typeface="Arial"/>
             </a:endParaRPr>
           </a:p>
         </p:txBody>
@@ -1442,8 +1442,8 @@
         </p:nvSpPr>
         <p:spPr>
           <a:xfrm>
-            <a:off x="6231960" y="1604520"/>
-            <a:ext cx="5354280" cy="3977280"/>
+            <a:off x="4674240" y="1204560"/>
+            <a:ext cx="4015800" cy="2985480"/>
           </a:xfrm>
           <a:prstGeom prst="rect">
             <a:avLst/>
@@ -1471,7 +1471,7 @@
               <a:solidFill>
                 <a:srgbClr val="000000"/>
               </a:solidFill>
-              <a:latin typeface="Calibri"/>
+              <a:latin typeface="Arial"/>
             </a:endParaRPr>
           </a:p>
         </p:txBody>
@@ -1483,7 +1483,7 @@
             <a:spLocks noGrp="1"/>
           </p:cNvSpPr>
           <p:nvPr>
-            <p:ph type="ftr" idx="2"/>
+            <p:ph type="ftr" idx="1"/>
           </p:nvPr>
         </p:nvSpPr>
         <p:spPr/>
@@ -1503,14 +1503,14 @@
             <a:spLocks noGrp="1"/>
           </p:cNvSpPr>
           <p:nvPr>
-            <p:ph type="sldNum" idx="3"/>
+            <p:ph type="sldNum" idx="2"/>
           </p:nvPr>
         </p:nvSpPr>
         <p:spPr/>
         <p:txBody>
           <a:bodyPr/>
           <a:p>
-            <a:fld id="{7B24F4CD-1C15-4EEE-81D2-7599EE2DA77F}" type="slidenum">
+            <a:fld id="{CF00269F-6152-4C4D-84EA-87F37D1291D4}" type="slidenum">
               <a:t>&lt;#&gt;</a:t>
             </a:fld>
           </a:p>
@@ -1523,7 +1523,7 @@
             <a:spLocks noGrp="1"/>
           </p:cNvSpPr>
           <p:nvPr>
-            <p:ph type="dt" idx="1"/>
+            <p:ph type="dt" idx="3"/>
           </p:nvPr>
         </p:nvSpPr>
         <p:spPr/>
@@ -1571,8 +1571,8 @@
         </p:nvSpPr>
         <p:spPr>
           <a:xfrm>
-            <a:off x="609480" y="273600"/>
-            <a:ext cx="10972440" cy="1144800"/>
+            <a:off x="457200" y="205200"/>
+            <a:ext cx="8229240" cy="859320"/>
           </a:xfrm>
           <a:prstGeom prst="rect">
             <a:avLst/>
@@ -1591,7 +1591,7 @@
               <a:solidFill>
                 <a:srgbClr val="000000"/>
               </a:solidFill>
-              <a:latin typeface="Calibri"/>
+              <a:latin typeface="Arial"/>
             </a:endParaRPr>
           </a:p>
         </p:txBody>
@@ -1603,7 +1603,7 @@
             <a:spLocks noGrp="1"/>
           </p:cNvSpPr>
           <p:nvPr>
-            <p:ph type="ftr" idx="2"/>
+            <p:ph type="ftr" idx="1"/>
           </p:nvPr>
         </p:nvSpPr>
         <p:spPr/>
@@ -1623,14 +1623,14 @@
             <a:spLocks noGrp="1"/>
           </p:cNvSpPr>
           <p:nvPr>
-            <p:ph type="sldNum" idx="3"/>
+            <p:ph type="sldNum" idx="2"/>
           </p:nvPr>
         </p:nvSpPr>
         <p:spPr/>
         <p:txBody>
           <a:bodyPr/>
           <a:p>
-            <a:fld id="{D9179F0C-1ED8-48A7-9C20-0431E83B9BAB}" type="slidenum">
+            <a:fld id="{92976027-4491-402C-A45B-F42AD8CF6742}" type="slidenum">
               <a:t>&lt;#&gt;</a:t>
             </a:fld>
           </a:p>
@@ -1643,7 +1643,7 @@
             <a:spLocks noGrp="1"/>
           </p:cNvSpPr>
           <p:nvPr>
-            <p:ph type="dt" idx="1"/>
+            <p:ph type="dt" idx="3"/>
           </p:nvPr>
         </p:nvSpPr>
         <p:spPr/>
@@ -1691,8 +1691,8 @@
         </p:nvSpPr>
         <p:spPr>
           <a:xfrm>
-            <a:off x="609480" y="273600"/>
-            <a:ext cx="10972440" cy="5307840"/>
+            <a:off x="457200" y="205200"/>
+            <a:ext cx="8229240" cy="3984480"/>
           </a:xfrm>
           <a:prstGeom prst="rect">
             <a:avLst/>
@@ -1723,7 +1723,7 @@
             <a:spLocks noGrp="1"/>
           </p:cNvSpPr>
           <p:nvPr>
-            <p:ph type="ftr" idx="2"/>
+            <p:ph type="ftr" idx="1"/>
           </p:nvPr>
         </p:nvSpPr>
         <p:spPr/>
@@ -1743,14 +1743,14 @@
             <a:spLocks noGrp="1"/>
           </p:cNvSpPr>
           <p:nvPr>
-            <p:ph type="sldNum" idx="3"/>
+            <p:ph type="sldNum" idx="2"/>
           </p:nvPr>
         </p:nvSpPr>
         <p:spPr/>
         <p:txBody>
           <a:bodyPr/>
           <a:p>
-            <a:fld id="{6C4A6660-464C-46DB-B5FD-CAE9F98E07E1}" type="slidenum">
+            <a:fld id="{CDC31B96-0885-4F31-B096-66E17A5BFAB2}" type="slidenum">
               <a:t>&lt;#&gt;</a:t>
             </a:fld>
           </a:p>
@@ -1763,7 +1763,7 @@
             <a:spLocks noGrp="1"/>
           </p:cNvSpPr>
           <p:nvPr>
-            <p:ph type="dt" idx="1"/>
+            <p:ph type="dt" idx="3"/>
           </p:nvPr>
         </p:nvSpPr>
         <p:spPr/>
@@ -1811,8 +1811,8 @@
         </p:nvSpPr>
         <p:spPr>
           <a:xfrm>
-            <a:off x="609480" y="273600"/>
-            <a:ext cx="10972440" cy="1144800"/>
+            <a:off x="457200" y="205200"/>
+            <a:ext cx="8229240" cy="859320"/>
           </a:xfrm>
           <a:prstGeom prst="rect">
             <a:avLst/>
@@ -1831,7 +1831,7 @@
               <a:solidFill>
                 <a:srgbClr val="000000"/>
               </a:solidFill>
-              <a:latin typeface="Calibri"/>
+              <a:latin typeface="Arial"/>
             </a:endParaRPr>
           </a:p>
         </p:txBody>
@@ -1848,8 +1848,8 @@
         </p:nvSpPr>
         <p:spPr>
           <a:xfrm>
-            <a:off x="609480" y="1604520"/>
-            <a:ext cx="5354280" cy="1896840"/>
+            <a:off x="457200" y="1204560"/>
+            <a:ext cx="4015800" cy="1423800"/>
           </a:xfrm>
           <a:prstGeom prst="rect">
             <a:avLst/>
@@ -1877,7 +1877,7 @@
               <a:solidFill>
                 <a:srgbClr val="000000"/>
               </a:solidFill>
-              <a:latin typeface="Calibri"/>
+              <a:latin typeface="Arial"/>
             </a:endParaRPr>
           </a:p>
         </p:txBody>
@@ -1894,8 +1894,8 @@
         </p:nvSpPr>
         <p:spPr>
           <a:xfrm>
-            <a:off x="6231960" y="1604520"/>
-            <a:ext cx="5354280" cy="3977280"/>
+            <a:off x="4674240" y="1204560"/>
+            <a:ext cx="4015800" cy="2985480"/>
           </a:xfrm>
           <a:prstGeom prst="rect">
             <a:avLst/>
@@ -1923,7 +1923,7 @@
               <a:solidFill>
                 <a:srgbClr val="000000"/>
               </a:solidFill>
-              <a:latin typeface="Calibri"/>
+              <a:latin typeface="Arial"/>
             </a:endParaRPr>
           </a:p>
         </p:txBody>
@@ -1940,8 +1940,8 @@
         </p:nvSpPr>
         <p:spPr>
           <a:xfrm>
-            <a:off x="609480" y="3682080"/>
-            <a:ext cx="5354280" cy="1896840"/>
+            <a:off x="457200" y="2764080"/>
+            <a:ext cx="4015800" cy="1423800"/>
           </a:xfrm>
           <a:prstGeom prst="rect">
             <a:avLst/>
@@ -1969,7 +1969,7 @@
               <a:solidFill>
                 <a:srgbClr val="000000"/>
               </a:solidFill>
-              <a:latin typeface="Calibri"/>
+              <a:latin typeface="Arial"/>
             </a:endParaRPr>
           </a:p>
         </p:txBody>
@@ -1981,7 +1981,7 @@
             <a:spLocks noGrp="1"/>
           </p:cNvSpPr>
           <p:nvPr>
-            <p:ph type="ftr" idx="2"/>
+            <p:ph type="ftr" idx="1"/>
           </p:nvPr>
         </p:nvSpPr>
         <p:spPr/>
@@ -2001,14 +2001,14 @@
             <a:spLocks noGrp="1"/>
           </p:cNvSpPr>
           <p:nvPr>
-            <p:ph type="sldNum" idx="3"/>
+            <p:ph type="sldNum" idx="2"/>
           </p:nvPr>
         </p:nvSpPr>
         <p:spPr/>
         <p:txBody>
           <a:bodyPr/>
           <a:p>
-            <a:fld id="{1864A28F-0E2A-45D6-AE35-B87BD6130744}" type="slidenum">
+            <a:fld id="{57C9BE9A-2EE4-4130-AAE3-CDA2105063C3}" type="slidenum">
               <a:t>&lt;#&gt;</a:t>
             </a:fld>
           </a:p>
@@ -2021,7 +2021,7 @@
             <a:spLocks noGrp="1"/>
           </p:cNvSpPr>
           <p:nvPr>
-            <p:ph type="dt" idx="1"/>
+            <p:ph type="dt" idx="3"/>
           </p:nvPr>
         </p:nvSpPr>
         <p:spPr/>
@@ -2069,8 +2069,8 @@
         </p:nvSpPr>
         <p:spPr>
           <a:xfrm>
-            <a:off x="609480" y="273600"/>
-            <a:ext cx="10972440" cy="1144800"/>
+            <a:off x="457200" y="205200"/>
+            <a:ext cx="8229240" cy="859320"/>
           </a:xfrm>
           <a:prstGeom prst="rect">
             <a:avLst/>
@@ -2089,7 +2089,7 @@
               <a:solidFill>
                 <a:srgbClr val="000000"/>
               </a:solidFill>
-              <a:latin typeface="Calibri"/>
+              <a:latin typeface="Arial"/>
             </a:endParaRPr>
           </a:p>
         </p:txBody>
@@ -2106,8 +2106,8 @@
         </p:nvSpPr>
         <p:spPr>
           <a:xfrm>
-            <a:off x="609480" y="1604520"/>
-            <a:ext cx="5354280" cy="3977280"/>
+            <a:off x="457200" y="1204560"/>
+            <a:ext cx="4015800" cy="2985480"/>
           </a:xfrm>
           <a:prstGeom prst="rect">
             <a:avLst/>
@@ -2135,7 +2135,7 @@
               <a:solidFill>
                 <a:srgbClr val="000000"/>
               </a:solidFill>
-              <a:latin typeface="Calibri"/>
+              <a:latin typeface="Arial"/>
             </a:endParaRPr>
           </a:p>
         </p:txBody>
@@ -2152,8 +2152,8 @@
         </p:nvSpPr>
         <p:spPr>
           <a:xfrm>
-            <a:off x="6231960" y="1604520"/>
-            <a:ext cx="5354280" cy="1896840"/>
+            <a:off x="4674240" y="1204560"/>
+            <a:ext cx="4015800" cy="1423800"/>
           </a:xfrm>
           <a:prstGeom prst="rect">
             <a:avLst/>
@@ -2181,7 +2181,7 @@
               <a:solidFill>
                 <a:srgbClr val="000000"/>
               </a:solidFill>
-              <a:latin typeface="Calibri"/>
+              <a:latin typeface="Arial"/>
             </a:endParaRPr>
           </a:p>
         </p:txBody>
@@ -2198,8 +2198,8 @@
         </p:nvSpPr>
         <p:spPr>
           <a:xfrm>
-            <a:off x="6231960" y="3682080"/>
-            <a:ext cx="5354280" cy="1896840"/>
+            <a:off x="4674240" y="2764080"/>
+            <a:ext cx="4015800" cy="1423800"/>
           </a:xfrm>
           <a:prstGeom prst="rect">
             <a:avLst/>
@@ -2227,7 +2227,7 @@
               <a:solidFill>
                 <a:srgbClr val="000000"/>
               </a:solidFill>
-              <a:latin typeface="Calibri"/>
+              <a:latin typeface="Arial"/>
             </a:endParaRPr>
           </a:p>
         </p:txBody>
@@ -2239,7 +2239,7 @@
             <a:spLocks noGrp="1"/>
           </p:cNvSpPr>
           <p:nvPr>
-            <p:ph type="ftr" idx="2"/>
+            <p:ph type="ftr" idx="1"/>
           </p:nvPr>
         </p:nvSpPr>
         <p:spPr/>
@@ -2259,14 +2259,14 @@
             <a:spLocks noGrp="1"/>
           </p:cNvSpPr>
           <p:nvPr>
-            <p:ph type="sldNum" idx="3"/>
+            <p:ph type="sldNum" idx="2"/>
           </p:nvPr>
         </p:nvSpPr>
         <p:spPr/>
         <p:txBody>
           <a:bodyPr/>
           <a:p>
-            <a:fld id="{B55B54EA-F55D-4103-9F35-D764B890AE03}" type="slidenum">
+            <a:fld id="{9720100E-6D47-4665-88A0-74390F786B90}" type="slidenum">
               <a:t>&lt;#&gt;</a:t>
             </a:fld>
           </a:p>
@@ -2279,7 +2279,7 @@
             <a:spLocks noGrp="1"/>
           </p:cNvSpPr>
           <p:nvPr>
-            <p:ph type="dt" idx="1"/>
+            <p:ph type="dt" idx="3"/>
           </p:nvPr>
         </p:nvSpPr>
         <p:spPr/>
@@ -2327,8 +2327,8 @@
         </p:nvSpPr>
         <p:spPr>
           <a:xfrm>
-            <a:off x="609480" y="273600"/>
-            <a:ext cx="10972440" cy="1144800"/>
+            <a:off x="457200" y="205200"/>
+            <a:ext cx="8229240" cy="859320"/>
           </a:xfrm>
           <a:prstGeom prst="rect">
             <a:avLst/>
@@ -2347,7 +2347,7 @@
               <a:solidFill>
                 <a:srgbClr val="000000"/>
               </a:solidFill>
-              <a:latin typeface="Calibri"/>
+              <a:latin typeface="Arial"/>
             </a:endParaRPr>
           </a:p>
         </p:txBody>
@@ -2364,8 +2364,8 @@
         </p:nvSpPr>
         <p:spPr>
           <a:xfrm>
-            <a:off x="609480" y="1604520"/>
-            <a:ext cx="5354280" cy="1896840"/>
+            <a:off x="457200" y="1204560"/>
+            <a:ext cx="4015800" cy="1423800"/>
           </a:xfrm>
           <a:prstGeom prst="rect">
             <a:avLst/>
@@ -2393,7 +2393,7 @@
               <a:solidFill>
                 <a:srgbClr val="000000"/>
               </a:solidFill>
-              <a:latin typeface="Calibri"/>
+              <a:latin typeface="Arial"/>
             </a:endParaRPr>
           </a:p>
         </p:txBody>
@@ -2410,8 +2410,8 @@
         </p:nvSpPr>
         <p:spPr>
           <a:xfrm>
-            <a:off x="6231960" y="1604520"/>
-            <a:ext cx="5354280" cy="1896840"/>
+            <a:off x="4674240" y="1204560"/>
+            <a:ext cx="4015800" cy="1423800"/>
           </a:xfrm>
           <a:prstGeom prst="rect">
             <a:avLst/>
@@ -2439,7 +2439,7 @@
               <a:solidFill>
                 <a:srgbClr val="000000"/>
               </a:solidFill>
-              <a:latin typeface="Calibri"/>
+              <a:latin typeface="Arial"/>
             </a:endParaRPr>
           </a:p>
         </p:txBody>
@@ -2456,8 +2456,8 @@
         </p:nvSpPr>
         <p:spPr>
           <a:xfrm>
-            <a:off x="609480" y="3682080"/>
-            <a:ext cx="10972440" cy="1896840"/>
+            <a:off x="457200" y="2764080"/>
+            <a:ext cx="8229240" cy="1423800"/>
           </a:xfrm>
           <a:prstGeom prst="rect">
             <a:avLst/>
@@ -2485,7 +2485,7 @@
               <a:solidFill>
                 <a:srgbClr val="000000"/>
               </a:solidFill>
-              <a:latin typeface="Calibri"/>
+              <a:latin typeface="Arial"/>
             </a:endParaRPr>
           </a:p>
         </p:txBody>
@@ -2497,7 +2497,7 @@
             <a:spLocks noGrp="1"/>
           </p:cNvSpPr>
           <p:nvPr>
-            <p:ph type="ftr" idx="2"/>
+            <p:ph type="ftr" idx="1"/>
           </p:nvPr>
         </p:nvSpPr>
         <p:spPr/>
@@ -2517,14 +2517,14 @@
             <a:spLocks noGrp="1"/>
           </p:cNvSpPr>
           <p:nvPr>
-            <p:ph type="sldNum" idx="3"/>
+            <p:ph type="sldNum" idx="2"/>
           </p:nvPr>
         </p:nvSpPr>
         <p:spPr/>
         <p:txBody>
           <a:bodyPr/>
           <a:p>
-            <a:fld id="{E8291CEC-700F-4980-957A-7D81A23FDA2D}" type="slidenum">
+            <a:fld id="{3E5409F0-3AED-4FA1-AD10-1667C62DEF2D}" type="slidenum">
               <a:t>&lt;#&gt;</a:t>
             </a:fld>
           </a:p>
@@ -2537,7 +2537,7 @@
             <a:spLocks noGrp="1"/>
           </p:cNvSpPr>
           <p:nvPr>
-            <p:ph type="dt" idx="1"/>
+            <p:ph type="dt" idx="3"/>
           </p:nvPr>
         </p:nvSpPr>
         <p:spPr/>
@@ -2587,24 +2587,154 @@
             <a:spLocks noGrp="1"/>
           </p:cNvSpPr>
           <p:nvPr>
-            <p:ph type="dt" idx="1"/>
-          </p:nvPr>
-        </p:nvSpPr>
-        <p:spPr>
-          <a:xfrm>
-            <a:off x="838080" y="6356520"/>
-            <a:ext cx="2742840" cy="364680"/>
-          </a:xfrm>
-          <a:prstGeom prst="rect">
-            <a:avLst/>
-          </a:prstGeom>
-          <a:noFill/>
-          <a:ln w="0">
-            <a:noFill/>
-          </a:ln>
-        </p:spPr>
-        <p:txBody>
-          <a:bodyPr anchor="ctr">
+            <p:ph type="ftr" idx="1"/>
+          </p:nvPr>
+        </p:nvSpPr>
+        <p:spPr>
+          <a:xfrm>
+            <a:off x="3027960" y="4770720"/>
+            <a:ext cx="3085560" cy="273600"/>
+          </a:xfrm>
+          <a:prstGeom prst="rect">
+            <a:avLst/>
+          </a:prstGeom>
+          <a:noFill/>
+          <a:ln w="0">
+            <a:noFill/>
+          </a:ln>
+        </p:spPr>
+        <p:txBody>
+          <a:bodyPr lIns="90000" rIns="90000" tIns="45000" bIns="45000" anchor="ctr">
+            <a:noAutofit/>
+          </a:bodyPr>
+          <a:lstStyle>
+            <a:lvl1pPr algn="ctr">
+              <a:lnSpc>
+                <a:spcPct val="100000"/>
+              </a:lnSpc>
+              <a:buNone/>
+              <a:defRPr b="0" lang="en-US" sz="1400" spc="-1" strike="noStrike">
+                <a:solidFill>
+                  <a:srgbClr val="000000"/>
+                </a:solidFill>
+                <a:latin typeface="Times New Roman"/>
+                <a:ea typeface="DejaVu Sans"/>
+              </a:defRPr>
+            </a:lvl1pPr>
+          </a:lstStyle>
+          <a:p>
+            <a:pPr algn="ctr">
+              <a:lnSpc>
+                <a:spcPct val="100000"/>
+              </a:lnSpc>
+              <a:buNone/>
+            </a:pPr>
+            <a:r>
+              <a:rPr b="0" lang="en-US" sz="1400" spc="-1" strike="noStrike">
+                <a:solidFill>
+                  <a:srgbClr val="000000"/>
+                </a:solidFill>
+                <a:latin typeface="Times New Roman"/>
+                <a:ea typeface="DejaVu Sans"/>
+              </a:rPr>
+              <a:t>&lt;footer&gt;</a:t>
+            </a:r>
+            <a:endParaRPr b="0" lang="en-US" sz="1400" spc="-1" strike="noStrike">
+              <a:latin typeface="Times New Roman"/>
+            </a:endParaRPr>
+          </a:p>
+        </p:txBody>
+      </p:sp>
+      <p:sp>
+        <p:nvSpPr>
+          <p:cNvPr id="1" name="PlaceHolder 2"/>
+          <p:cNvSpPr>
+            <a:spLocks noGrp="1"/>
+          </p:cNvSpPr>
+          <p:nvPr>
+            <p:ph type="sldNum" idx="2"/>
+          </p:nvPr>
+        </p:nvSpPr>
+        <p:spPr>
+          <a:xfrm>
+            <a:off x="6456960" y="4770720"/>
+            <a:ext cx="2056680" cy="273600"/>
+          </a:xfrm>
+          <a:prstGeom prst="rect">
+            <a:avLst/>
+          </a:prstGeom>
+          <a:noFill/>
+          <a:ln w="0">
+            <a:noFill/>
+          </a:ln>
+        </p:spPr>
+        <p:txBody>
+          <a:bodyPr lIns="90000" rIns="90000" tIns="45000" bIns="45000" anchor="ctr">
+            <a:noAutofit/>
+          </a:bodyPr>
+          <a:lstStyle>
+            <a:lvl1pPr algn="r">
+              <a:lnSpc>
+                <a:spcPct val="100000"/>
+              </a:lnSpc>
+              <a:buNone/>
+              <a:defRPr b="0" lang="ru-RU" sz="1200" spc="-1" strike="noStrike">
+                <a:solidFill>
+                  <a:srgbClr val="8b8b8b"/>
+                </a:solidFill>
+                <a:latin typeface="Calibri"/>
+                <a:ea typeface="DejaVu Sans"/>
+              </a:defRPr>
+            </a:lvl1pPr>
+          </a:lstStyle>
+          <a:p>
+            <a:pPr algn="r">
+              <a:lnSpc>
+                <a:spcPct val="100000"/>
+              </a:lnSpc>
+              <a:buNone/>
+            </a:pPr>
+            <a:fld id="{DCEA9767-590C-49F5-BDBE-94674F9B716E}" type="slidenum">
+              <a:rPr b="0" lang="ru-RU" sz="1200" spc="-1" strike="noStrike">
+                <a:solidFill>
+                  <a:srgbClr val="8b8b8b"/>
+                </a:solidFill>
+                <a:latin typeface="Calibri"/>
+                <a:ea typeface="DejaVu Sans"/>
+              </a:rPr>
+              <a:t>&lt;number&gt;</a:t>
+            </a:fld>
+            <a:endParaRPr b="0" lang="en-US" sz="1200" spc="-1" strike="noStrike">
+              <a:latin typeface="Times New Roman"/>
+            </a:endParaRPr>
+          </a:p>
+        </p:txBody>
+      </p:sp>
+      <p:sp>
+        <p:nvSpPr>
+          <p:cNvPr id="2" name="PlaceHolder 3"/>
+          <p:cNvSpPr>
+            <a:spLocks noGrp="1"/>
+          </p:cNvSpPr>
+          <p:nvPr>
+            <p:ph type="dt" idx="3"/>
+          </p:nvPr>
+        </p:nvSpPr>
+        <p:spPr>
+          <a:xfrm>
+            <a:off x="627840" y="4770720"/>
+            <a:ext cx="2056680" cy="273600"/>
+          </a:xfrm>
+          <a:prstGeom prst="rect">
+            <a:avLst/>
+          </a:prstGeom>
+          <a:noFill/>
+          <a:ln w="0">
+            <a:noFill/>
+          </a:ln>
+        </p:spPr>
+        <p:txBody>
+          <a:bodyPr lIns="90000" rIns="90000" tIns="45000" bIns="45000" anchor="ctr">
             <a:noAutofit/>
           </a:bodyPr>
           <a:lstStyle>
@@ -2629,98 +2759,6 @@
       </p:sp>
       <p:sp>
         <p:nvSpPr>
-          <p:cNvPr id="1" name="PlaceHolder 2"/>
-          <p:cNvSpPr>
-            <a:spLocks noGrp="1"/>
-          </p:cNvSpPr>
-          <p:nvPr>
-            <p:ph type="ftr" idx="2"/>
-          </p:nvPr>
-        </p:nvSpPr>
-        <p:spPr>
-          <a:xfrm>
-            <a:off x="4038480" y="6356520"/>
-            <a:ext cx="4114440" cy="364680"/>
-          </a:xfrm>
-          <a:prstGeom prst="rect">
-            <a:avLst/>
-          </a:prstGeom>
-          <a:noFill/>
-          <a:ln w="0">
-            <a:noFill/>
-          </a:ln>
-        </p:spPr>
-        <p:txBody>
-          <a:bodyPr anchor="ctr">
-            <a:noAutofit/>
-          </a:bodyPr>
-          <a:lstStyle>
-            <a:lvl1pPr algn="ctr">
-              <a:buNone/>
-              <a:defRPr b="0" lang="en-US" sz="1400" spc="-1" strike="noStrike">
-                <a:latin typeface="Times New Roman"/>
-              </a:defRPr>
-            </a:lvl1pPr>
-          </a:lstStyle>
-          <a:p>
-            <a:pPr algn="ctr">
-              <a:buNone/>
-            </a:pPr>
-            <a:r>
-              <a:rPr b="0" lang="en-US" sz="1400" spc="-1" strike="noStrike">
-                <a:latin typeface="Times New Roman"/>
-              </a:rPr>
-              <a:t>&lt;footer&gt;</a:t>
-            </a:r>
-            <a:endParaRPr b="0" lang="en-US" sz="1400" spc="-1" strike="noStrike">
-              <a:latin typeface="Times New Roman"/>
-            </a:endParaRPr>
-          </a:p>
-        </p:txBody>
-      </p:sp>
-      <p:sp>
-        <p:nvSpPr>
-          <p:cNvPr id="2" name="PlaceHolder 3"/>
-          <p:cNvSpPr>
-            <a:spLocks noGrp="1"/>
-          </p:cNvSpPr>
-          <p:nvPr>
-            <p:ph type="sldNum" idx="3"/>
-          </p:nvPr>
-        </p:nvSpPr>
-        <p:spPr>
-          <a:xfrm>
-            <a:off x="8610480" y="6356520"/>
-            <a:ext cx="2742840" cy="364680"/>
-          </a:xfrm>
-          <a:prstGeom prst="rect">
-            <a:avLst/>
-          </a:prstGeom>
-          <a:noFill/>
-          <a:ln w="0">
-            <a:noFill/>
-          </a:ln>
-        </p:spPr>
-        <p:txBody>
-          <a:bodyPr anchor="ctr">
-            <a:noAutofit/>
-          </a:bodyPr>
-          <a:lstStyle>
-            <a:lvl1pPr>
-              <a:defRPr b="0" lang="en-US" sz="2400" spc="-1" strike="noStrike">
-                <a:latin typeface="Times New Roman"/>
-              </a:defRPr>
-            </a:lvl1pPr>
-          </a:lstStyle>
-          <a:p>
-            <a:endParaRPr b="0" lang="en-US" sz="2400" spc="-1" strike="noStrike">
-              <a:latin typeface="Times New Roman"/>
-            </a:endParaRPr>
-          </a:p>
-        </p:txBody>
-      </p:sp>
-      <p:sp>
-        <p:nvSpPr>
           <p:cNvPr id="3" name="PlaceHolder 4"/>
           <p:cNvSpPr>
             <a:spLocks noGrp="1"/>
@@ -2731,8 +2769,8 @@
         </p:nvSpPr>
         <p:spPr>
           <a:xfrm>
-            <a:off x="609480" y="273600"/>
-            <a:ext cx="10972440" cy="1144800"/>
+            <a:off x="457200" y="205200"/>
+            <a:ext cx="8229240" cy="859320"/>
           </a:xfrm>
           <a:prstGeom prst="rect">
             <a:avLst/>
@@ -2752,7 +2790,7 @@
                 <a:solidFill>
                   <a:srgbClr val="000000"/>
                 </a:solidFill>
-                <a:latin typeface="Calibri"/>
+                <a:latin typeface="Arial"/>
               </a:rPr>
               <a:t>Click to edit the title text format</a:t>
             </a:r>
@@ -2760,7 +2798,7 @@
               <a:solidFill>
                 <a:srgbClr val="000000"/>
               </a:solidFill>
-              <a:latin typeface="Calibri"/>
+              <a:latin typeface="Arial"/>
             </a:endParaRPr>
           </a:p>
         </p:txBody>
@@ -2777,8 +2815,8 @@
         </p:nvSpPr>
         <p:spPr>
           <a:xfrm>
-            <a:off x="609480" y="1604520"/>
-            <a:ext cx="10972440" cy="3977280"/>
+            <a:off x="457200" y="1204560"/>
+            <a:ext cx="8229240" cy="2985480"/>
           </a:xfrm>
           <a:prstGeom prst="rect">
             <a:avLst/>
@@ -2812,7 +2850,7 @@
                 <a:solidFill>
                   <a:srgbClr val="000000"/>
                 </a:solidFill>
-                <a:latin typeface="Calibri"/>
+                <a:latin typeface="Arial"/>
               </a:rPr>
               <a:t>Click to edit the outline text format</a:t>
             </a:r>
@@ -2820,7 +2858,7 @@
               <a:solidFill>
                 <a:srgbClr val="000000"/>
               </a:solidFill>
-              <a:latin typeface="Calibri"/>
+              <a:latin typeface="Arial"/>
             </a:endParaRPr>
           </a:p>
           <a:p>
@@ -2843,7 +2881,7 @@
                 <a:solidFill>
                   <a:srgbClr val="000000"/>
                 </a:solidFill>
-                <a:latin typeface="Calibri"/>
+                <a:latin typeface="Arial"/>
               </a:rPr>
               <a:t>Second Outline Level</a:t>
             </a:r>
@@ -2851,7 +2889,7 @@
               <a:solidFill>
                 <a:srgbClr val="000000"/>
               </a:solidFill>
-              <a:latin typeface="Calibri"/>
+              <a:latin typeface="Arial"/>
             </a:endParaRPr>
           </a:p>
           <a:p>
@@ -2874,7 +2912,7 @@
                 <a:solidFill>
                   <a:srgbClr val="000000"/>
                 </a:solidFill>
-                <a:latin typeface="Calibri"/>
+                <a:latin typeface="Arial"/>
               </a:rPr>
               <a:t>Third Outline Level</a:t>
             </a:r>
@@ -2882,7 +2920,7 @@
               <a:solidFill>
                 <a:srgbClr val="000000"/>
               </a:solidFill>
-              <a:latin typeface="Calibri"/>
+              <a:latin typeface="Arial"/>
             </a:endParaRPr>
           </a:p>
           <a:p>
@@ -2905,7 +2943,7 @@
                 <a:solidFill>
                   <a:srgbClr val="000000"/>
                 </a:solidFill>
-                <a:latin typeface="Calibri"/>
+                <a:latin typeface="Arial"/>
               </a:rPr>
               <a:t>Fourth Outline Level</a:t>
             </a:r>
@@ -2913,7 +2951,7 @@
               <a:solidFill>
                 <a:srgbClr val="000000"/>
               </a:solidFill>
-              <a:latin typeface="Calibri"/>
+              <a:latin typeface="Arial"/>
             </a:endParaRPr>
           </a:p>
           <a:p>
@@ -2936,7 +2974,7 @@
                 <a:solidFill>
                   <a:srgbClr val="000000"/>
                 </a:solidFill>
-                <a:latin typeface="Calibri"/>
+                <a:latin typeface="Arial"/>
               </a:rPr>
               <a:t>Fifth Outline Level</a:t>
             </a:r>
@@ -2944,7 +2982,7 @@
               <a:solidFill>
                 <a:srgbClr val="000000"/>
               </a:solidFill>
-              <a:latin typeface="Calibri"/>
+              <a:latin typeface="Arial"/>
             </a:endParaRPr>
           </a:p>
           <a:p>
@@ -2967,7 +3005,7 @@
                 <a:solidFill>
                   <a:srgbClr val="000000"/>
                 </a:solidFill>
-                <a:latin typeface="Calibri"/>
+                <a:latin typeface="Arial"/>
               </a:rPr>
               <a:t>Sixth Outline Level</a:t>
             </a:r>
@@ -2975,7 +3013,7 @@
               <a:solidFill>
                 <a:srgbClr val="000000"/>
               </a:solidFill>
-              <a:latin typeface="Calibri"/>
+              <a:latin typeface="Arial"/>
             </a:endParaRPr>
           </a:p>
           <a:p>
@@ -2998,7 +3036,7 @@
                 <a:solidFill>
                   <a:srgbClr val="000000"/>
                 </a:solidFill>
-                <a:latin typeface="Calibri"/>
+                <a:latin typeface="Arial"/>
               </a:rPr>
               <a:t>Seventh Outline Level</a:t>
             </a:r>
@@ -3006,7 +3044,7 @@
               <a:solidFill>
                 <a:srgbClr val="000000"/>
               </a:solidFill>
-              <a:latin typeface="Calibri"/>
+              <a:latin typeface="Arial"/>
             </a:endParaRPr>
           </a:p>
         </p:txBody>
@@ -3050,14 +3088,14 @@
       </p:grpSpPr>
       <p:sp>
         <p:nvSpPr>
-          <p:cNvPr id="41" name="Прямоугольник 1"/>
+          <p:cNvPr id="41" name="TextBox 14"/>
           <p:cNvSpPr/>
           <p:nvPr/>
         </p:nvSpPr>
         <p:spPr>
           <a:xfrm>
-            <a:off x="672480" y="3296520"/>
-            <a:ext cx="10845720" cy="1135800"/>
+            <a:off x="505800" y="2505960"/>
+            <a:ext cx="8132040" cy="770400"/>
           </a:xfrm>
           <a:prstGeom prst="rect">
             <a:avLst/>
@@ -3075,25 +3113,26 @@
         </p:style>
         <p:txBody>
           <a:bodyPr lIns="90000" rIns="90000" tIns="45000" bIns="45000" anchor="t">
-            <a:normAutofit/>
+            <a:noAutofit/>
           </a:bodyPr>
           <a:p>
             <a:pPr>
               <a:lnSpc>
-                <a:spcPts val="4201"/>
+                <a:spcPct val="100000"/>
               </a:lnSpc>
               <a:buNone/>
             </a:pPr>
             <a:r>
-              <a:rPr b="1" lang="en-US" sz="3000" spc="-1" strike="noStrike">
+              <a:rPr b="1" lang="en-US" sz="2100" spc="-1" strike="noStrike">
                 <a:solidFill>
-                  <a:srgbClr val="000000"/>
+                  <a:srgbClr val="262626"/>
                 </a:solidFill>
                 <a:latin typeface="Arial Black"/>
+                <a:ea typeface="DejaVu Sans"/>
               </a:rPr>
               <a:t>TITLE</a:t>
             </a:r>
-            <a:endParaRPr b="0" lang="en-US" sz="3000" spc="-1" strike="noStrike">
+            <a:endParaRPr b="0" lang="en-US" sz="2100" spc="-1" strike="noStrike">
               <a:latin typeface="Arial"/>
             </a:endParaRPr>
           </a:p>
@@ -3107,8 +3146,8 @@
         </p:nvSpPr>
         <p:spPr>
           <a:xfrm>
-            <a:off x="6906240" y="314280"/>
-            <a:ext cx="3967920" cy="2718720"/>
+            <a:off x="5178600" y="214920"/>
+            <a:ext cx="2975400" cy="2040480"/>
           </a:xfrm>
           <a:prstGeom prst="roundRect">
             <a:avLst>
@@ -3139,14 +3178,49 @@
       </p:sp>
       <p:sp>
         <p:nvSpPr>
-          <p:cNvPr id="43" name="Скругленный прямоугольник 6"/>
+          <p:cNvPr id="43" name="Прямая соединительная линия 27"/>
           <p:cNvSpPr/>
           <p:nvPr/>
         </p:nvSpPr>
         <p:spPr>
           <a:xfrm>
-            <a:off x="7213680" y="477360"/>
-            <a:ext cx="4304880" cy="2391840"/>
+            <a:off x="4019040" y="1255680"/>
+            <a:ext cx="1103760" cy="360"/>
+          </a:xfrm>
+          <a:prstGeom prst="line">
+            <a:avLst/>
+          </a:prstGeom>
+          <a:ln cap="rnd" w="28575">
+            <a:solidFill>
+              <a:srgbClr val="a7a7ff"/>
+            </a:solidFill>
+            <a:prstDash val="dash"/>
+            <a:round/>
+          </a:ln>
+        </p:spPr>
+        <p:style>
+          <a:lnRef idx="1">
+            <a:schemeClr val="accent1"/>
+          </a:lnRef>
+          <a:fillRef idx="0">
+            <a:schemeClr val="accent1"/>
+          </a:fillRef>
+          <a:effectRef idx="0">
+            <a:schemeClr val="accent1"/>
+          </a:effectRef>
+          <a:fontRef idx="minor"/>
+        </p:style>
+      </p:sp>
+      <p:sp>
+        <p:nvSpPr>
+          <p:cNvPr id="44" name="Скругленный прямоугольник 11"/>
+          <p:cNvSpPr/>
+          <p:nvPr/>
+        </p:nvSpPr>
+        <p:spPr>
+          <a:xfrm>
+            <a:off x="585000" y="213480"/>
+            <a:ext cx="2975400" cy="2040480"/>
           </a:xfrm>
           <a:prstGeom prst="roundRect">
             <a:avLst>
@@ -3154,9 +3228,7 @@
             </a:avLst>
           </a:prstGeom>
           <a:solidFill>
-            <a:schemeClr val="bg1">
-              <a:lumMod val="95000"/>
-            </a:schemeClr>
+            <a:srgbClr val="c9c9ff"/>
           </a:solidFill>
           <a:ln>
             <a:noFill/>
@@ -3176,77 +3248,40 @@
           </a:effectRef>
           <a:fontRef idx="minor"/>
         </p:style>
-        <p:txBody>
-          <a:bodyPr lIns="90000" rIns="90000" tIns="45000" bIns="45000" anchor="ctr">
-            <a:noAutofit/>
-          </a:bodyPr>
-          <a:p>
-            <a:pPr algn="ctr">
-              <a:lnSpc>
-                <a:spcPct val="100000"/>
-              </a:lnSpc>
-              <a:buNone/>
-            </a:pPr>
-            <a:r>
-              <a:rPr b="0" lang="en-US" sz="1800" spc="-1" strike="noStrike">
-                <a:solidFill>
-                  <a:srgbClr val="ffffff"/>
-                </a:solidFill>
-                <a:latin typeface="Calibri"/>
-              </a:rPr>
-              <a:t>PIC</a:t>
-            </a:r>
-            <a:endParaRPr b="0" lang="en-US" sz="1800" spc="-1" strike="noStrike">
-              <a:latin typeface="Arial"/>
-            </a:endParaRPr>
-          </a:p>
-        </p:txBody>
-      </p:sp>
-      <p:sp>
-        <p:nvSpPr>
-          <p:cNvPr id="44" name="Прямая соединительная линия 27"/>
+      </p:sp>
+      <p:pic>
+        <p:nvPicPr>
+          <p:cNvPr id="45" name="Рисунок 18" descr=""/>
+          <p:cNvPicPr/>
+          <p:nvPr/>
+        </p:nvPicPr>
+        <p:blipFill>
+          <a:blip r:embed="rId1"/>
+          <a:stretch/>
+        </p:blipFill>
+        <p:spPr>
+          <a:xfrm>
+            <a:off x="7922880" y="241560"/>
+            <a:ext cx="802440" cy="232200"/>
+          </a:xfrm>
+          <a:prstGeom prst="rect">
+            <a:avLst/>
+          </a:prstGeom>
+          <a:ln w="0">
+            <a:noFill/>
+          </a:ln>
+        </p:spPr>
+      </p:pic>
+      <p:sp>
+        <p:nvSpPr>
+          <p:cNvPr id="46" name="TextBox 6"/>
           <p:cNvSpPr/>
           <p:nvPr/>
         </p:nvSpPr>
         <p:spPr>
           <a:xfrm>
-            <a:off x="5359680" y="1673640"/>
-            <a:ext cx="1471680" cy="360"/>
-          </a:xfrm>
-          <a:prstGeom prst="line">
-            <a:avLst/>
-          </a:prstGeom>
-          <a:ln cap="rnd" w="28575">
-            <a:solidFill>
-              <a:srgbClr val="a7a7ff"/>
-            </a:solidFill>
-            <a:prstDash val="dash"/>
-            <a:round/>
-          </a:ln>
-        </p:spPr>
-        <p:style>
-          <a:lnRef idx="1">
-            <a:schemeClr val="accent1"/>
-          </a:lnRef>
-          <a:fillRef idx="0">
-            <a:schemeClr val="accent1"/>
-          </a:fillRef>
-          <a:effectRef idx="0">
-            <a:schemeClr val="accent1"/>
-          </a:effectRef>
-          <a:fontRef idx="minor"/>
-        </p:style>
-      </p:sp>
-      <p:sp>
-        <p:nvSpPr>
-          <p:cNvPr id="45" name="Прямоугольник 8"/>
-          <p:cNvSpPr/>
-          <p:nvPr/>
-        </p:nvSpPr>
-        <p:spPr>
-          <a:xfrm>
-            <a:off x="672480" y="4485960"/>
-            <a:ext cx="10845720" cy="2066760"/>
+            <a:off x="503640" y="3375360"/>
+            <a:ext cx="8133840" cy="1468800"/>
           </a:xfrm>
           <a:prstGeom prst="rect">
             <a:avLst/>
@@ -3264,48 +3299,51 @@
         </p:style>
         <p:txBody>
           <a:bodyPr lIns="90000" rIns="90000" tIns="45000" bIns="45000" anchor="t">
-            <a:normAutofit/>
+            <a:noAutofit/>
           </a:bodyPr>
           <a:p>
             <a:pPr>
               <a:lnSpc>
-                <a:spcPts val="2200"/>
+                <a:spcPct val="100000"/>
               </a:lnSpc>
               <a:buNone/>
             </a:pPr>
             <a:r>
-              <a:rPr b="0" lang="en-US" sz="1600" spc="-1" strike="noStrike">
+              <a:rPr b="0" lang="en-US" sz="1200" spc="-1" strike="noStrike">
                 <a:solidFill>
-                  <a:srgbClr val="262626"/>
+                  <a:srgbClr val="000000"/>
                 </a:solidFill>
                 <a:latin typeface="Arial"/>
+                <a:ea typeface="DejaVu Sans"/>
               </a:rPr>
               <a:t>TEXT</a:t>
             </a:r>
-            <a:endParaRPr b="0" lang="en-US" sz="1600" spc="-1" strike="noStrike">
-              <a:latin typeface="Arial"/>
-            </a:endParaRPr>
-          </a:p>
-        </p:txBody>
-      </p:sp>
-      <p:sp>
-        <p:nvSpPr>
-          <p:cNvPr id="46" name="Скругленный прямоугольник 11"/>
+            <a:endParaRPr b="0" lang="en-US" sz="1200" spc="-1" strike="noStrike">
+              <a:latin typeface="Arial"/>
+            </a:endParaRPr>
+          </a:p>
+        </p:txBody>
+      </p:sp>
+      <p:sp>
+        <p:nvSpPr>
+          <p:cNvPr id="47" name="Прямоугольник со скругленными углами 3"/>
           <p:cNvSpPr/>
           <p:nvPr/>
         </p:nvSpPr>
         <p:spPr>
           <a:xfrm>
-            <a:off x="802080" y="314280"/>
-            <a:ext cx="3967920" cy="2718720"/>
+            <a:off x="722520" y="329040"/>
+            <a:ext cx="3218400" cy="1801080"/>
           </a:xfrm>
           <a:prstGeom prst="roundRect">
             <a:avLst>
-              <a:gd name="adj" fmla="val 9000"/>
+              <a:gd name="adj" fmla="val 9762"/>
             </a:avLst>
           </a:prstGeom>
           <a:solidFill>
-            <a:srgbClr val="c9c9ff"/>
+            <a:schemeClr val="bg1">
+              <a:lumMod val="85000"/>
+            </a:schemeClr>
           </a:solidFill>
           <a:ln>
             <a:noFill/>
@@ -3325,26 +3363,52 @@
           </a:effectRef>
           <a:fontRef idx="minor"/>
         </p:style>
-      </p:sp>
-      <p:sp>
-        <p:nvSpPr>
-          <p:cNvPr id="47" name="Скругленный прямоугольник 12"/>
+        <p:txBody>
+          <a:bodyPr lIns="90000" rIns="90000" tIns="45000" bIns="45000" anchor="ctr">
+            <a:noAutofit/>
+          </a:bodyPr>
+          <a:p>
+            <a:pPr algn="ctr">
+              <a:lnSpc>
+                <a:spcPct val="100000"/>
+              </a:lnSpc>
+              <a:buNone/>
+            </a:pPr>
+            <a:r>
+              <a:rPr b="0" lang="en-US" sz="1800" spc="-1" strike="noStrike">
+                <a:solidFill>
+                  <a:srgbClr val="000000"/>
+                </a:solidFill>
+                <a:latin typeface="Calibri"/>
+                <a:ea typeface="DejaVu Sans"/>
+              </a:rPr>
+              <a:t>PIC</a:t>
+            </a:r>
+            <a:endParaRPr b="0" lang="en-US" sz="1800" spc="-1" strike="noStrike">
+              <a:latin typeface="Arial"/>
+            </a:endParaRPr>
+          </a:p>
+        </p:txBody>
+      </p:sp>
+      <p:sp>
+        <p:nvSpPr>
+          <p:cNvPr id="48" name="Прямоугольник со скругленными углами 3"/>
           <p:cNvSpPr/>
           <p:nvPr/>
         </p:nvSpPr>
         <p:spPr>
           <a:xfrm>
-            <a:off x="979920" y="477360"/>
-            <a:ext cx="4304880" cy="2391840"/>
+            <a:off x="5330880" y="329040"/>
+            <a:ext cx="3218400" cy="1801080"/>
           </a:xfrm>
           <a:prstGeom prst="roundRect">
             <a:avLst>
-              <a:gd name="adj" fmla="val 8684"/>
+              <a:gd name="adj" fmla="val 9762"/>
             </a:avLst>
           </a:prstGeom>
           <a:solidFill>
             <a:schemeClr val="bg1">
-              <a:lumMod val="95000"/>
+              <a:lumMod val="85000"/>
             </a:schemeClr>
           </a:solidFill>
           <a:ln>
@@ -3379,9 +3443,10 @@
             <a:r>
               <a:rPr b="0" lang="en-US" sz="1800" spc="-1" strike="noStrike">
                 <a:solidFill>
-                  <a:srgbClr val="ffffff"/>
+                  <a:srgbClr val="000000"/>
                 </a:solidFill>
                 <a:latin typeface="Calibri"/>
+                <a:ea typeface="DejaVu Sans"/>
               </a:rPr>
               <a:t>PIC</a:t>
             </a:r>
@@ -3390,44 +3455,6 @@
             </a:endParaRPr>
           </a:p>
         </p:txBody>
-      </p:sp>
-      <p:sp>
-        <p:nvSpPr>
-          <p:cNvPr id="48" name="Прямоугольник 3"/>
-          <p:cNvSpPr/>
-          <p:nvPr/>
-        </p:nvSpPr>
-        <p:spPr>
-          <a:xfrm>
-            <a:off x="10565280" y="322560"/>
-            <a:ext cx="1070280" cy="309600"/>
-          </a:xfrm>
-          <a:prstGeom prst="rect">
-            <a:avLst/>
-          </a:prstGeom>
-          <a:blipFill rotWithShape="0">
-            <a:blip r:embed="rId1"/>
-            <a:srcRect/>
-            <a:stretch/>
-          </a:blipFill>
-          <a:ln>
-            <a:noFill/>
-          </a:ln>
-        </p:spPr>
-        <p:style>
-          <a:lnRef idx="2">
-            <a:schemeClr val="accent1">
-              <a:shade val="50000"/>
-            </a:schemeClr>
-          </a:lnRef>
-          <a:fillRef idx="1">
-            <a:schemeClr val="accent1"/>
-          </a:fillRef>
-          <a:effectRef idx="0">
-            <a:schemeClr val="accent1"/>
-          </a:effectRef>
-          <a:fontRef idx="minor"/>
-        </p:style>
       </p:sp>
     </p:spTree>
   </p:cSld>
